--- a/Computer Science Principles/Projects/Project 3/Project 3 - Designing a School Store Website.pptx
+++ b/Computer Science Principles/Projects/Project 3/Project 3 - Designing a School Store Website.pptx
@@ -3182,7 +3182,7 @@
         <p:spPr/>
         <p:txBody>
           <a:bodyPr>
-            <a:normAutofit fontScale="90000" lnSpcReduction="20000"/>
+            <a:normAutofit fontScale="90000" lnSpcReduction="10000"/>
           </a:bodyPr>
           <a:p>
             <a:r>
@@ -3209,8 +3209,16 @@
           <a:p>
             <a:pPr lvl="1"/>
             <a:r>
+              <a:rPr lang="en-US" sz="2400"/>
+              <a:t>A page showing all items </a:t>
+            </a:r>
+            <a:endParaRPr lang="en-US"/>
+          </a:p>
+          <a:p>
+            <a:pPr lvl="1"/>
+            <a:r>
               <a:rPr lang="en-US"/>
-              <a:t>A page showing new items and deals currently being ran</a:t>
+              <a:t>A page showing new items</a:t>
             </a:r>
             <a:endParaRPr lang="en-US"/>
           </a:p>
@@ -3218,23 +3226,7 @@
             <a:pPr lvl="1"/>
             <a:r>
               <a:rPr lang="en-US"/>
-              <a:t>A page containing all items currently on sale at the store</a:t>
-            </a:r>
-            <a:endParaRPr lang="en-US"/>
-          </a:p>
-          <a:p>
-            <a:pPr lvl="1"/>
-            <a:r>
-              <a:rPr lang="en-US"/>
-              <a:t>A page showing the user’s current login information</a:t>
-            </a:r>
-            <a:endParaRPr lang="en-US"/>
-          </a:p>
-          <a:p>
-            <a:pPr lvl="1"/>
-            <a:r>
-              <a:rPr lang="en-US"/>
-              <a:t>A page that the user completes their purchase on</a:t>
+              <a:t>A page containing sale items</a:t>
             </a:r>
             <a:endParaRPr lang="en-US"/>
           </a:p>
